--- a/picture.pptx
+++ b/picture.pptx
@@ -244,7 +244,7 @@
           <a:p>
             <a:fld id="{275905BD-8D17-41E8-B5EF-554A5C1BFD18}" type="datetimeFigureOut">
               <a:rPr lang="zh-TW" altLang="en-US" smtClean="0"/>
-              <a:t>2025/2/22</a:t>
+              <a:t>2025/2/23</a:t>
             </a:fld>
             <a:endParaRPr lang="zh-TW" altLang="en-US"/>
           </a:p>
@@ -414,7 +414,7 @@
           <a:p>
             <a:fld id="{275905BD-8D17-41E8-B5EF-554A5C1BFD18}" type="datetimeFigureOut">
               <a:rPr lang="zh-TW" altLang="en-US" smtClean="0"/>
-              <a:t>2025/2/22</a:t>
+              <a:t>2025/2/23</a:t>
             </a:fld>
             <a:endParaRPr lang="zh-TW" altLang="en-US"/>
           </a:p>
@@ -594,7 +594,7 @@
           <a:p>
             <a:fld id="{275905BD-8D17-41E8-B5EF-554A5C1BFD18}" type="datetimeFigureOut">
               <a:rPr lang="zh-TW" altLang="en-US" smtClean="0"/>
-              <a:t>2025/2/22</a:t>
+              <a:t>2025/2/23</a:t>
             </a:fld>
             <a:endParaRPr lang="zh-TW" altLang="en-US"/>
           </a:p>
@@ -764,7 +764,7 @@
           <a:p>
             <a:fld id="{275905BD-8D17-41E8-B5EF-554A5C1BFD18}" type="datetimeFigureOut">
               <a:rPr lang="zh-TW" altLang="en-US" smtClean="0"/>
-              <a:t>2025/2/22</a:t>
+              <a:t>2025/2/23</a:t>
             </a:fld>
             <a:endParaRPr lang="zh-TW" altLang="en-US"/>
           </a:p>
@@ -1010,7 +1010,7 @@
           <a:p>
             <a:fld id="{275905BD-8D17-41E8-B5EF-554A5C1BFD18}" type="datetimeFigureOut">
               <a:rPr lang="zh-TW" altLang="en-US" smtClean="0"/>
-              <a:t>2025/2/22</a:t>
+              <a:t>2025/2/23</a:t>
             </a:fld>
             <a:endParaRPr lang="zh-TW" altLang="en-US"/>
           </a:p>
@@ -1242,7 +1242,7 @@
           <a:p>
             <a:fld id="{275905BD-8D17-41E8-B5EF-554A5C1BFD18}" type="datetimeFigureOut">
               <a:rPr lang="zh-TW" altLang="en-US" smtClean="0"/>
-              <a:t>2025/2/22</a:t>
+              <a:t>2025/2/23</a:t>
             </a:fld>
             <a:endParaRPr lang="zh-TW" altLang="en-US"/>
           </a:p>
@@ -1609,7 +1609,7 @@
           <a:p>
             <a:fld id="{275905BD-8D17-41E8-B5EF-554A5C1BFD18}" type="datetimeFigureOut">
               <a:rPr lang="zh-TW" altLang="en-US" smtClean="0"/>
-              <a:t>2025/2/22</a:t>
+              <a:t>2025/2/23</a:t>
             </a:fld>
             <a:endParaRPr lang="zh-TW" altLang="en-US"/>
           </a:p>
@@ -1727,7 +1727,7 @@
           <a:p>
             <a:fld id="{275905BD-8D17-41E8-B5EF-554A5C1BFD18}" type="datetimeFigureOut">
               <a:rPr lang="zh-TW" altLang="en-US" smtClean="0"/>
-              <a:t>2025/2/22</a:t>
+              <a:t>2025/2/23</a:t>
             </a:fld>
             <a:endParaRPr lang="zh-TW" altLang="en-US"/>
           </a:p>
@@ -1822,7 +1822,7 @@
           <a:p>
             <a:fld id="{275905BD-8D17-41E8-B5EF-554A5C1BFD18}" type="datetimeFigureOut">
               <a:rPr lang="zh-TW" altLang="en-US" smtClean="0"/>
-              <a:t>2025/2/22</a:t>
+              <a:t>2025/2/23</a:t>
             </a:fld>
             <a:endParaRPr lang="zh-TW" altLang="en-US"/>
           </a:p>
@@ -2099,7 +2099,7 @@
           <a:p>
             <a:fld id="{275905BD-8D17-41E8-B5EF-554A5C1BFD18}" type="datetimeFigureOut">
               <a:rPr lang="zh-TW" altLang="en-US" smtClean="0"/>
-              <a:t>2025/2/22</a:t>
+              <a:t>2025/2/23</a:t>
             </a:fld>
             <a:endParaRPr lang="zh-TW" altLang="en-US"/>
           </a:p>
@@ -2352,7 +2352,7 @@
           <a:p>
             <a:fld id="{275905BD-8D17-41E8-B5EF-554A5C1BFD18}" type="datetimeFigureOut">
               <a:rPr lang="zh-TW" altLang="en-US" smtClean="0"/>
-              <a:t>2025/2/22</a:t>
+              <a:t>2025/2/23</a:t>
             </a:fld>
             <a:endParaRPr lang="zh-TW" altLang="en-US"/>
           </a:p>
@@ -2565,7 +2565,7 @@
           <a:p>
             <a:fld id="{275905BD-8D17-41E8-B5EF-554A5C1BFD18}" type="datetimeFigureOut">
               <a:rPr lang="zh-TW" altLang="en-US" smtClean="0"/>
-              <a:t>2025/2/22</a:t>
+              <a:t>2025/2/23</a:t>
             </a:fld>
             <a:endParaRPr lang="zh-TW" altLang="en-US"/>
           </a:p>
@@ -3292,6 +3292,105 @@
           </a:p>
         </p:txBody>
       </p:sp>
+      <p:sp>
+        <p:nvSpPr>
+          <p:cNvPr id="3" name="圓角矩形 2"/>
+          <p:cNvSpPr/>
+          <p:nvPr/>
+        </p:nvSpPr>
+        <p:spPr>
+          <a:xfrm>
+            <a:off x="3489820" y="1409350"/>
+            <a:ext cx="3338819" cy="842842"/>
+          </a:xfrm>
+          <a:prstGeom prst="roundRect">
+            <a:avLst/>
+          </a:prstGeom>
+          <a:solidFill>
+            <a:schemeClr val="bg1">
+              <a:lumMod val="75000"/>
+            </a:schemeClr>
+          </a:solidFill>
+          <a:ln>
+            <a:noFill/>
+          </a:ln>
+        </p:spPr>
+        <p:style>
+          <a:lnRef idx="2">
+            <a:schemeClr val="accent1">
+              <a:shade val="50000"/>
+            </a:schemeClr>
+          </a:lnRef>
+          <a:fillRef idx="1">
+            <a:schemeClr val="accent1"/>
+          </a:fillRef>
+          <a:effectRef idx="0">
+            <a:schemeClr val="accent1"/>
+          </a:effectRef>
+          <a:fontRef idx="minor">
+            <a:schemeClr val="lt1"/>
+          </a:fontRef>
+        </p:style>
+        <p:txBody>
+          <a:bodyPr rtlCol="0" anchor="ctr"/>
+          <a:lstStyle/>
+          <a:p>
+            <a:pPr algn="ctr"/>
+            <a:endParaRPr lang="zh-TW" altLang="en-US"/>
+          </a:p>
+        </p:txBody>
+      </p:sp>
+      <p:sp>
+        <p:nvSpPr>
+          <p:cNvPr id="2" name="橢圓 1"/>
+          <p:cNvSpPr/>
+          <p:nvPr/>
+        </p:nvSpPr>
+        <p:spPr>
+          <a:xfrm>
+            <a:off x="3498209" y="1266738"/>
+            <a:ext cx="3305263" cy="352337"/>
+          </a:xfrm>
+          <a:prstGeom prst="ellipse">
+            <a:avLst/>
+          </a:prstGeom>
+          <a:solidFill>
+            <a:schemeClr val="tx1"/>
+          </a:solidFill>
+          <a:ln>
+            <a:solidFill>
+              <a:schemeClr val="tx1">
+                <a:lumMod val="75000"/>
+                <a:lumOff val="25000"/>
+              </a:schemeClr>
+            </a:solidFill>
+          </a:ln>
+        </p:spPr>
+        <p:style>
+          <a:lnRef idx="2">
+            <a:schemeClr val="accent1">
+              <a:shade val="50000"/>
+            </a:schemeClr>
+          </a:lnRef>
+          <a:fillRef idx="1">
+            <a:schemeClr val="accent1"/>
+          </a:fillRef>
+          <a:effectRef idx="0">
+            <a:schemeClr val="accent1"/>
+          </a:effectRef>
+          <a:fontRef idx="minor">
+            <a:schemeClr val="lt1"/>
+          </a:fontRef>
+        </p:style>
+        <p:txBody>
+          <a:bodyPr rtlCol="0" anchor="ctr"/>
+          <a:lstStyle/>
+          <a:p>
+            <a:pPr algn="ctr"/>
+            <a:endParaRPr lang="zh-TW" altLang="en-US"/>
+          </a:p>
+        </p:txBody>
+      </p:sp>
     </p:spTree>
     <p:extLst>
       <p:ext uri="{BB962C8B-B14F-4D97-AF65-F5344CB8AC3E}">
@@ -3565,7 +3664,6 @@
               <a:rPr lang="en-US" altLang="zh-TW" dirty="0" smtClean="0"/>
               <a:t> </a:t>
             </a:r>
-            <a:endParaRPr lang="en-US" altLang="zh-TW" dirty="0" smtClean="0"/>
           </a:p>
         </p:txBody>
       </p:sp>
@@ -3609,7 +3707,6 @@
               <a:rPr lang="en-US" altLang="zh-TW" dirty="0" smtClean="0"/>
               <a:t>1#</a:t>
             </a:r>
-            <a:endParaRPr lang="en-US" altLang="zh-TW" dirty="0" smtClean="0"/>
           </a:p>
           <a:p>
             <a:pPr algn="ctr"/>
@@ -3617,7 +3714,6 @@
               <a:rPr lang="en-US" altLang="zh-TW" dirty="0" smtClean="0"/>
               <a:t>2#</a:t>
             </a:r>
-            <a:endParaRPr lang="en-US" altLang="zh-TW" dirty="0" smtClean="0"/>
           </a:p>
           <a:p>
             <a:pPr algn="ctr"/>
@@ -3625,7 +3721,6 @@
               <a:rPr lang="en-US" altLang="zh-TW" dirty="0" smtClean="0"/>
               <a:t>3#</a:t>
             </a:r>
-            <a:endParaRPr lang="en-US" altLang="zh-TW" dirty="0" smtClean="0"/>
           </a:p>
           <a:p>
             <a:pPr algn="ctr"/>
@@ -3847,7 +3942,6 @@
               <a:rPr lang="en-US" altLang="zh-TW" dirty="0" smtClean="0"/>
               <a:t>()</a:t>
             </a:r>
-            <a:endParaRPr lang="en-US" altLang="zh-TW" dirty="0" smtClean="0"/>
           </a:p>
           <a:p>
             <a:pPr algn="ctr"/>
@@ -3855,7 +3949,6 @@
               <a:rPr lang="en-US" altLang="zh-TW" dirty="0" smtClean="0"/>
               <a:t>Assign event to html  </a:t>
             </a:r>
-            <a:endParaRPr lang="en-US" altLang="zh-TW" dirty="0" smtClean="0"/>
           </a:p>
         </p:txBody>
       </p:sp>
